--- a/General_Course_Intro_Materials.pptx
+++ b/General_Course_Intro_Materials.pptx
@@ -5,12 +5,13 @@
     <p:sldMasterId id="2147483648" r:id="rId1"/>
   </p:sldMasterIdLst>
   <p:notesMasterIdLst>
-    <p:notesMasterId r:id="rId5"/>
+    <p:notesMasterId r:id="rId6"/>
   </p:notesMasterIdLst>
   <p:sldIdLst>
     <p:sldId id="256" r:id="rId2"/>
     <p:sldId id="257" r:id="rId3"/>
     <p:sldId id="259" r:id="rId4"/>
+    <p:sldId id="260" r:id="rId5"/>
   </p:sldIdLst>
   <p:sldSz cx="9144000" cy="6858000" type="screen4x3"/>
   <p:notesSz cx="6858000" cy="9144000"/>
@@ -3609,15 +3610,28 @@
         </p:nvSpPr>
         <p:spPr/>
         <p:txBody>
-          <a:bodyPr/>
+          <a:bodyPr>
+            <a:normAutofit/>
+          </a:bodyPr>
           <a:lstStyle/>
           <a:p>
             <a:pPr marL="514350" indent="-514350">
               <a:buAutoNum type="arabicPeriod"/>
             </a:pPr>
             <a:r>
-              <a:rPr lang="en-US"/>
+              <a:rPr lang="en-US" sz="2900"/>
               <a:t>Go to </a:t>
+            </a:r>
+            <a:r>
+              <a:rPr lang="en-US" sz="2300"/>
+              <a:t> </a:t>
+            </a:r>
+            <a:r>
+              <a:rPr lang="en-US" sz="2300">
+                <a:latin typeface="Lucida Console"/>
+                <a:cs typeface="Lucida Console"/>
+              </a:rPr>
+              <a:t>https://github.com/cmerow/teachIPMs</a:t>
             </a:r>
           </a:p>
           <a:p>
@@ -3625,21 +3639,148 @@
               <a:buAutoNum type="arabicPeriod"/>
             </a:pPr>
             <a:r>
-              <a:rPr lang="en-US"/>
-              <a:t>Click ‘Clone repo’</a:t>
-            </a:r>
-          </a:p>
-          <a:p>
-            <a:pPr marL="514350" indent="-514350">
-              <a:buAutoNum type="arabicPeriod"/>
-            </a:pPr>
-            <a:r>
-              <a:rPr lang="en-US"/>
-              <a:t>Picture</a:t>
-            </a:r>
-          </a:p>
-        </p:txBody>
-      </p:sp>
+              <a:rPr lang="en-US" sz="2900"/>
+              <a:t>Click ‘Download zip’</a:t>
+            </a:r>
+          </a:p>
+        </p:txBody>
+      </p:sp>
+      <p:pic>
+        <p:nvPicPr>
+          <p:cNvPr id="4" name="Picture 3" descr="Screen Shot 2015-08-05 at 2.36.01 PM.png"/>
+          <p:cNvPicPr>
+            <a:picLocks noChangeAspect="1"/>
+          </p:cNvPicPr>
+          <p:nvPr/>
+        </p:nvPicPr>
+        <p:blipFill>
+          <a:blip r:embed="rId2">
+            <a:extLst>
+              <a:ext uri="{28A0092B-C50C-407E-A947-70E740481C1C}">
+                <a14:useLocalDpi xmlns:a14="http://schemas.microsoft.com/office/drawing/2010/main" val="0"/>
+              </a:ext>
+            </a:extLst>
+          </a:blip>
+          <a:stretch>
+            <a:fillRect/>
+          </a:stretch>
+        </p:blipFill>
+        <p:spPr>
+          <a:xfrm>
+            <a:off x="917857" y="2831123"/>
+            <a:ext cx="5557440" cy="3722585"/>
+          </a:xfrm>
+          <a:prstGeom prst="rect">
+            <a:avLst/>
+          </a:prstGeom>
+        </p:spPr>
+      </p:pic>
+      <p:cxnSp>
+        <p:nvCxnSpPr>
+          <p:cNvPr id="9" name="Straight Connector 8"/>
+          <p:cNvCxnSpPr/>
+          <p:nvPr/>
+        </p:nvCxnSpPr>
+        <p:spPr>
+          <a:xfrm>
+            <a:off x="4526421" y="2502392"/>
+            <a:ext cx="2464385" cy="0"/>
+          </a:xfrm>
+          <a:prstGeom prst="line">
+            <a:avLst/>
+          </a:prstGeom>
+          <a:ln w="57150" cmpd="sng">
+            <a:solidFill>
+              <a:srgbClr val="FF0000"/>
+            </a:solidFill>
+          </a:ln>
+        </p:spPr>
+        <p:style>
+          <a:lnRef idx="2">
+            <a:schemeClr val="accent1"/>
+          </a:lnRef>
+          <a:fillRef idx="0">
+            <a:schemeClr val="accent1"/>
+          </a:fillRef>
+          <a:effectRef idx="1">
+            <a:schemeClr val="accent1"/>
+          </a:effectRef>
+          <a:fontRef idx="minor">
+            <a:schemeClr val="tx1"/>
+          </a:fontRef>
+        </p:style>
+      </p:cxnSp>
+      <p:cxnSp>
+        <p:nvCxnSpPr>
+          <p:cNvPr id="11" name="Straight Connector 10"/>
+          <p:cNvCxnSpPr/>
+          <p:nvPr/>
+        </p:nvCxnSpPr>
+        <p:spPr>
+          <a:xfrm>
+            <a:off x="6965660" y="2489817"/>
+            <a:ext cx="0" cy="3623771"/>
+          </a:xfrm>
+          <a:prstGeom prst="line">
+            <a:avLst/>
+          </a:prstGeom>
+          <a:ln w="57150" cmpd="sng">
+            <a:solidFill>
+              <a:srgbClr val="FF0000"/>
+            </a:solidFill>
+          </a:ln>
+        </p:spPr>
+        <p:style>
+          <a:lnRef idx="2">
+            <a:schemeClr val="accent1"/>
+          </a:lnRef>
+          <a:fillRef idx="0">
+            <a:schemeClr val="accent1"/>
+          </a:fillRef>
+          <a:effectRef idx="1">
+            <a:schemeClr val="accent1"/>
+          </a:effectRef>
+          <a:fontRef idx="minor">
+            <a:schemeClr val="tx1"/>
+          </a:fontRef>
+        </p:style>
+      </p:cxnSp>
+      <p:cxnSp>
+        <p:nvCxnSpPr>
+          <p:cNvPr id="13" name="Straight Arrow Connector 12"/>
+          <p:cNvCxnSpPr/>
+          <p:nvPr/>
+        </p:nvCxnSpPr>
+        <p:spPr>
+          <a:xfrm flipH="1">
+            <a:off x="6374710" y="6126163"/>
+            <a:ext cx="616096" cy="0"/>
+          </a:xfrm>
+          <a:prstGeom prst="straightConnector1">
+            <a:avLst/>
+          </a:prstGeom>
+          <a:ln w="57150" cmpd="sng">
+            <a:solidFill>
+              <a:srgbClr val="FF0000"/>
+            </a:solidFill>
+            <a:tailEnd type="arrow"/>
+          </a:ln>
+        </p:spPr>
+        <p:style>
+          <a:lnRef idx="2">
+            <a:schemeClr val="accent1"/>
+          </a:lnRef>
+          <a:fillRef idx="0">
+            <a:schemeClr val="accent1"/>
+          </a:fillRef>
+          <a:effectRef idx="1">
+            <a:schemeClr val="accent1"/>
+          </a:effectRef>
+          <a:fontRef idx="minor">
+            <a:schemeClr val="tx1"/>
+          </a:fontRef>
+        </p:style>
+      </p:cxnSp>
     </p:spTree>
     <p:extLst>
       <p:ext uri="{BB962C8B-B14F-4D97-AF65-F5344CB8AC3E}">
@@ -3902,6 +4043,193 @@
       </p:par>
     </p:tnLst>
   </p:timing>
+</p:sld>
+</file>
+
+<file path=ppt/slides/slide4.xml><?xml version="1.0" encoding="utf-8"?>
+<p:sld xmlns:a="http://schemas.openxmlformats.org/drawingml/2006/main" xmlns:r="http://schemas.openxmlformats.org/officeDocument/2006/relationships" xmlns:p="http://schemas.openxmlformats.org/presentationml/2006/main">
+  <p:cSld>
+    <p:spTree>
+      <p:nvGrpSpPr>
+        <p:cNvPr id="1" name=""/>
+        <p:cNvGrpSpPr/>
+        <p:nvPr/>
+      </p:nvGrpSpPr>
+      <p:grpSpPr>
+        <a:xfrm>
+          <a:off x="0" y="0"/>
+          <a:ext cx="0" cy="0"/>
+          <a:chOff x="0" y="0"/>
+          <a:chExt cx="0" cy="0"/>
+        </a:xfrm>
+      </p:grpSpPr>
+      <p:sp>
+        <p:nvSpPr>
+          <p:cNvPr id="2" name="Title 1"/>
+          <p:cNvSpPr>
+            <a:spLocks noGrp="1"/>
+          </p:cNvSpPr>
+          <p:nvPr>
+            <p:ph type="title"/>
+          </p:nvPr>
+        </p:nvSpPr>
+        <p:spPr/>
+        <p:txBody>
+          <a:bodyPr/>
+          <a:lstStyle/>
+          <a:p>
+            <a:r>
+              <a:rPr lang="en-US"/>
+              <a:t>Schedule</a:t>
+            </a:r>
+          </a:p>
+        </p:txBody>
+      </p:sp>
+      <p:sp>
+        <p:nvSpPr>
+          <p:cNvPr id="3" name="Content Placeholder 2"/>
+          <p:cNvSpPr>
+            <a:spLocks noGrp="1"/>
+          </p:cNvSpPr>
+          <p:nvPr>
+            <p:ph idx="1"/>
+          </p:nvPr>
+        </p:nvSpPr>
+        <p:spPr/>
+        <p:txBody>
+          <a:bodyPr>
+            <a:normAutofit fontScale="70000" lnSpcReduction="20000"/>
+          </a:bodyPr>
+          <a:lstStyle/>
+          <a:p>
+            <a:pPr marL="0" indent="0">
+              <a:buNone/>
+            </a:pPr>
+            <a:r>
+              <a:rPr lang="en-US"/>
+              <a:t>12-1215     		Talk: General Intro to group, download materials</a:t>
+            </a:r>
+          </a:p>
+          <a:p>
+            <a:pPr marL="0" indent="0">
+              <a:buNone/>
+            </a:pPr>
+            <a:r>
+              <a:rPr lang="en-US"/>
+              <a:t>1215-1245 		Talk: Intro to IPMs (Cory)</a:t>
+            </a:r>
+          </a:p>
+          <a:p>
+            <a:pPr marL="0" indent="0">
+              <a:buNone/>
+            </a:pPr>
+            <a:r>
+              <a:rPr lang="en-US"/>
+              <a:t>1245-115   		Code: A basic IPM (Cory)</a:t>
+            </a:r>
+          </a:p>
+          <a:p>
+            <a:pPr marL="0" indent="0">
+              <a:buNone/>
+            </a:pPr>
+            <a:r>
+              <a:rPr lang="en-US"/>
+              <a:t>115-145     		Talk: Strengths of IPMs (Cory)</a:t>
+            </a:r>
+          </a:p>
+          <a:p>
+            <a:pPr marL="0" indent="0">
+              <a:buNone/>
+            </a:pPr>
+            <a:r>
+              <a:rPr lang="en-US"/>
+              <a:t>145-230     		Code: Improving your IPM (Cory)</a:t>
+            </a:r>
+          </a:p>
+          <a:p>
+            <a:pPr marL="0" indent="0">
+              <a:buNone/>
+            </a:pPr>
+            <a:r>
+              <a:rPr lang="en-US"/>
+              <a:t>230-245     		Break</a:t>
+            </a:r>
+          </a:p>
+          <a:p>
+            <a:pPr marL="0" indent="0">
+              <a:buNone/>
+            </a:pPr>
+            <a:r>
+              <a:rPr lang="en-US"/>
+              <a:t>245-3         		Talk: Intro to IPMpack (Sean)</a:t>
+            </a:r>
+          </a:p>
+          <a:p>
+            <a:pPr marL="0" indent="0">
+              <a:buNone/>
+            </a:pPr>
+            <a:r>
+              <a:rPr lang="en-US"/>
+              <a:t>3-330        		Code: Intro to IPMpack (Sean)</a:t>
+            </a:r>
+          </a:p>
+          <a:p>
+            <a:pPr marL="0" indent="0">
+              <a:buNone/>
+            </a:pPr>
+            <a:r>
+              <a:rPr lang="en-US"/>
+              <a:t>330-345     		Talk: Something interesting  (Rob)</a:t>
+            </a:r>
+          </a:p>
+          <a:p>
+            <a:pPr marL="0" indent="0">
+              <a:buNone/>
+            </a:pPr>
+            <a:r>
+              <a:rPr lang="en-US"/>
+              <a:t>345-4         		Code: (Rob)</a:t>
+            </a:r>
+          </a:p>
+          <a:p>
+            <a:pPr marL="0" indent="0">
+              <a:buNone/>
+            </a:pPr>
+            <a:r>
+              <a:rPr lang="en-US"/>
+              <a:t>4-415         		Talk: Something interesting  (Eelke)</a:t>
+            </a:r>
+          </a:p>
+          <a:p>
+            <a:pPr marL="0" indent="0">
+              <a:buNone/>
+            </a:pPr>
+            <a:r>
+              <a:rPr lang="en-US"/>
+              <a:t>415-430     		Code: (Eelke)</a:t>
+            </a:r>
+          </a:p>
+          <a:p>
+            <a:pPr marL="0" indent="0">
+              <a:buNone/>
+            </a:pPr>
+            <a:r>
+              <a:rPr lang="en-US"/>
+              <a:t>430-5         		Talk: Speeding up computations in R (Marco)</a:t>
+            </a:r>
+          </a:p>
+        </p:txBody>
+      </p:sp>
+    </p:spTree>
+    <p:extLst>
+      <p:ext uri="{BB962C8B-B14F-4D97-AF65-F5344CB8AC3E}">
+        <p14:creationId xmlns:p14="http://schemas.microsoft.com/office/powerpoint/2010/main" val="1413181252"/>
+      </p:ext>
+    </p:extLst>
+  </p:cSld>
+  <p:clrMapOvr>
+    <a:masterClrMapping/>
+  </p:clrMapOvr>
 </p:sld>
 </file>
 

--- a/General_Course_Intro_Materials.pptx
+++ b/General_Course_Intro_Materials.pptx
@@ -10,8 +10,8 @@
   <p:sldIdLst>
     <p:sldId id="256" r:id="rId2"/>
     <p:sldId id="257" r:id="rId3"/>
-    <p:sldId id="259" r:id="rId4"/>
-    <p:sldId id="260" r:id="rId5"/>
+    <p:sldId id="260" r:id="rId4"/>
+    <p:sldId id="259" r:id="rId5"/>
   </p:sldIdLst>
   <p:sldSz cx="9144000" cy="6858000" type="screen4x3"/>
   <p:notesSz cx="6858000" cy="9144000"/>
@@ -194,7 +194,7 @@
           </a:lstStyle>
           <a:p>
             <a:fld id="{660888C5-B245-2049-9BF2-CAADCA588047}" type="datetimeFigureOut">
-              <a:t>8/5/15</a:t>
+              <a:t>8/9/15</a:t>
             </a:fld>
             <a:endParaRPr lang="en-US"/>
           </a:p>
@@ -541,7 +541,7 @@
           <a:p>
             <a:fld id="{741D0BA4-1D49-1541-BDE8-F31CF13CF403}" type="slidenum">
               <a:rPr lang="en-US"/>
-              <a:t>3</a:t>
+              <a:t>4</a:t>
             </a:fld>
             <a:endParaRPr lang="en-US"/>
           </a:p>
@@ -738,7 +738,7 @@
           <a:lstStyle/>
           <a:p>
             <a:fld id="{43699006-F8F2-B148-9097-9BA4C09874BA}" type="datetimeFigureOut">
-              <a:t>8/5/15</a:t>
+              <a:t>8/9/15</a:t>
             </a:fld>
             <a:endParaRPr lang="en-US"/>
           </a:p>
@@ -904,7 +904,7 @@
           <a:lstStyle/>
           <a:p>
             <a:fld id="{43699006-F8F2-B148-9097-9BA4C09874BA}" type="datetimeFigureOut">
-              <a:t>8/5/15</a:t>
+              <a:t>8/9/15</a:t>
             </a:fld>
             <a:endParaRPr lang="en-US"/>
           </a:p>
@@ -1080,7 +1080,7 @@
           <a:lstStyle/>
           <a:p>
             <a:fld id="{43699006-F8F2-B148-9097-9BA4C09874BA}" type="datetimeFigureOut">
-              <a:t>8/5/15</a:t>
+              <a:t>8/9/15</a:t>
             </a:fld>
             <a:endParaRPr lang="en-US"/>
           </a:p>
@@ -1246,7 +1246,7 @@
           <a:lstStyle/>
           <a:p>
             <a:fld id="{43699006-F8F2-B148-9097-9BA4C09874BA}" type="datetimeFigureOut">
-              <a:t>8/5/15</a:t>
+              <a:t>8/9/15</a:t>
             </a:fld>
             <a:endParaRPr lang="en-US"/>
           </a:p>
@@ -1489,7 +1489,7 @@
           <a:lstStyle/>
           <a:p>
             <a:fld id="{43699006-F8F2-B148-9097-9BA4C09874BA}" type="datetimeFigureOut">
-              <a:t>8/5/15</a:t>
+              <a:t>8/9/15</a:t>
             </a:fld>
             <a:endParaRPr lang="en-US"/>
           </a:p>
@@ -1772,7 +1772,7 @@
           <a:lstStyle/>
           <a:p>
             <a:fld id="{43699006-F8F2-B148-9097-9BA4C09874BA}" type="datetimeFigureOut">
-              <a:t>8/5/15</a:t>
+              <a:t>8/9/15</a:t>
             </a:fld>
             <a:endParaRPr lang="en-US"/>
           </a:p>
@@ -2189,7 +2189,7 @@
           <a:lstStyle/>
           <a:p>
             <a:fld id="{43699006-F8F2-B148-9097-9BA4C09874BA}" type="datetimeFigureOut">
-              <a:t>8/5/15</a:t>
+              <a:t>8/9/15</a:t>
             </a:fld>
             <a:endParaRPr lang="en-US"/>
           </a:p>
@@ -2304,7 +2304,7 @@
           <a:lstStyle/>
           <a:p>
             <a:fld id="{43699006-F8F2-B148-9097-9BA4C09874BA}" type="datetimeFigureOut">
-              <a:t>8/5/15</a:t>
+              <a:t>8/9/15</a:t>
             </a:fld>
             <a:endParaRPr lang="en-US"/>
           </a:p>
@@ -2397,7 +2397,7 @@
           <a:lstStyle/>
           <a:p>
             <a:fld id="{43699006-F8F2-B148-9097-9BA4C09874BA}" type="datetimeFigureOut">
-              <a:t>8/5/15</a:t>
+              <a:t>8/9/15</a:t>
             </a:fld>
             <a:endParaRPr lang="en-US"/>
           </a:p>
@@ -2670,7 +2670,7 @@
           <a:lstStyle/>
           <a:p>
             <a:fld id="{43699006-F8F2-B148-9097-9BA4C09874BA}" type="datetimeFigureOut">
-              <a:t>8/5/15</a:t>
+              <a:t>8/9/15</a:t>
             </a:fld>
             <a:endParaRPr lang="en-US"/>
           </a:p>
@@ -2920,7 +2920,7 @@
           <a:lstStyle/>
           <a:p>
             <a:fld id="{43699006-F8F2-B148-9097-9BA4C09874BA}" type="datetimeFigureOut">
-              <a:t>8/5/15</a:t>
+              <a:t>8/9/15</a:t>
             </a:fld>
             <a:endParaRPr lang="en-US"/>
           </a:p>
@@ -3129,7 +3129,7 @@
           </a:lstStyle>
           <a:p>
             <a:fld id="{43699006-F8F2-B148-9097-9BA4C09874BA}" type="datetimeFigureOut">
-              <a:t>8/5/15</a:t>
+              <a:t>8/9/15</a:t>
             </a:fld>
             <a:endParaRPr lang="en-US"/>
           </a:p>
@@ -3554,6 +3554,13 @@
   <p:clrMapOvr>
     <a:masterClrMapping/>
   </p:clrMapOvr>
+  <p:timing>
+    <p:tnLst>
+      <p:par>
+        <p:cTn xmlns:p14="http://schemas.microsoft.com/office/powerpoint/2010/main" id="1" dur="indefinite" restart="never" nodeType="tmRoot"/>
+      </p:par>
+    </p:tnLst>
+  </p:timing>
 </p:sld>
 </file>
 
@@ -3791,6 +3798,13 @@
   <p:clrMapOvr>
     <a:masterClrMapping/>
   </p:clrMapOvr>
+  <p:timing>
+    <p:tnLst>
+      <p:par>
+        <p:cTn xmlns:p14="http://schemas.microsoft.com/office/powerpoint/2010/main" id="1" dur="indefinite" restart="never" nodeType="tmRoot"/>
+      </p:par>
+    </p:tnLst>
+  </p:timing>
 </p:sld>
 </file>
 
@@ -3828,7 +3842,7 @@
           <a:p>
             <a:r>
               <a:rPr lang="en-US"/>
-              <a:t>Tentative Schedule</a:t>
+              <a:t>Schedule</a:t>
             </a:r>
           </a:p>
         </p:txBody>
@@ -3851,185 +3865,127 @@
           <a:lstStyle/>
           <a:p>
             <a:pPr marL="0" indent="0">
-              <a:lnSpc>
-                <a:spcPct val="140000"/>
-              </a:lnSpc>
               <a:buNone/>
             </a:pPr>
             <a:r>
-              <a:rPr lang="en-US" dirty="0" smtClean="0"/>
-              <a:t>12:00-12:</a:t>
-            </a:r>
-            <a:r>
-              <a:rPr lang="en-US" dirty="0"/>
-              <a:t>45  	Introduction to </a:t>
-            </a:r>
-            <a:r>
-              <a:rPr lang="en-US" dirty="0" smtClean="0"/>
-              <a:t>IPMs</a:t>
-            </a:r>
-            <a:endParaRPr lang="en-US" dirty="0"/>
+              <a:rPr lang="en-US"/>
+              <a:t>12-1215     		Talk: General Intro to group, download materials</a:t>
+            </a:r>
           </a:p>
           <a:p>
             <a:pPr marL="0" indent="0">
-              <a:lnSpc>
-                <a:spcPct val="140000"/>
-              </a:lnSpc>
               <a:buNone/>
             </a:pPr>
             <a:r>
-              <a:rPr lang="en-US" dirty="0" smtClean="0"/>
-              <a:t>12:</a:t>
-            </a:r>
-            <a:r>
-              <a:rPr lang="en-US" dirty="0"/>
-              <a:t>45</a:t>
-            </a:r>
-            <a:r>
-              <a:rPr lang="en-US" dirty="0" smtClean="0"/>
-              <a:t>-2:00</a:t>
-            </a:r>
-            <a:r>
-              <a:rPr lang="en-US" dirty="0"/>
-              <a:t>	Introductory exercises</a:t>
+              <a:rPr lang="en-US"/>
+              <a:t>1215-1245 		Talk: Intro to IPMs </a:t>
             </a:r>
           </a:p>
           <a:p>
             <a:pPr marL="0" indent="0">
-              <a:lnSpc>
-                <a:spcPct val="140000"/>
-              </a:lnSpc>
               <a:buNone/>
             </a:pPr>
             <a:r>
-              <a:rPr lang="en-US" dirty="0" smtClean="0"/>
-              <a:t>2:00-2:20</a:t>
-            </a:r>
-            <a:r>
-              <a:rPr lang="en-US" dirty="0"/>
-              <a:t>	Introduction to </a:t>
-            </a:r>
-            <a:r>
-              <a:rPr lang="en-US" dirty="0" smtClean="0"/>
-              <a:t>IPMpack v2.0</a:t>
-            </a:r>
-            <a:endParaRPr lang="en-US" dirty="0"/>
+              <a:rPr lang="en-US"/>
+              <a:t>1245-115   		Code: A basic IPM</a:t>
+            </a:r>
           </a:p>
           <a:p>
             <a:pPr marL="0" indent="0">
-              <a:lnSpc>
-                <a:spcPct val="140000"/>
-              </a:lnSpc>
               <a:buNone/>
             </a:pPr>
             <a:r>
-              <a:rPr lang="en-US" dirty="0" smtClean="0"/>
-              <a:t>2:20-</a:t>
-            </a:r>
-            <a:r>
-              <a:rPr lang="en-US" dirty="0"/>
-              <a:t>3</a:t>
-            </a:r>
-            <a:r>
-              <a:rPr lang="en-US" dirty="0" smtClean="0"/>
-              <a:t>:00 </a:t>
-            </a:r>
-            <a:r>
-              <a:rPr lang="en-US" dirty="0"/>
-              <a:t>	</a:t>
-            </a:r>
-            <a:r>
-              <a:rPr lang="en-US" dirty="0" smtClean="0"/>
-              <a:t>IPMpack </a:t>
-            </a:r>
-            <a:r>
-              <a:rPr lang="en-US" dirty="0"/>
-              <a:t>Vignette</a:t>
+              <a:rPr lang="en-US"/>
+              <a:t>115-145     		Talk: Strengths of IPMs </a:t>
             </a:r>
           </a:p>
           <a:p>
             <a:pPr marL="0" indent="0">
-              <a:lnSpc>
-                <a:spcPct val="140000"/>
-              </a:lnSpc>
               <a:buNone/>
             </a:pPr>
             <a:r>
-              <a:rPr lang="en-US" dirty="0" smtClean="0"/>
-              <a:t>3:00-3:15 </a:t>
-            </a:r>
-            <a:r>
-              <a:rPr lang="en-US" dirty="0"/>
-              <a:t>	</a:t>
-            </a:r>
-            <a:r>
-              <a:rPr lang="en-US" dirty="0" smtClean="0"/>
-              <a:t>Fecundity Models</a:t>
+              <a:rPr lang="en-US"/>
+              <a:t>145-230     		Code: Improving your IPM </a:t>
             </a:r>
           </a:p>
           <a:p>
             <a:pPr marL="0" indent="0">
-              <a:lnSpc>
-                <a:spcPct val="140000"/>
-              </a:lnSpc>
               <a:buNone/>
             </a:pPr>
             <a:r>
-              <a:rPr lang="en-US" dirty="0" smtClean="0"/>
-              <a:t>3:15-4:00	Fecundity Exercises</a:t>
+              <a:rPr lang="en-US"/>
+              <a:t>230-245     		Break</a:t>
             </a:r>
           </a:p>
           <a:p>
             <a:pPr marL="0" indent="0">
-              <a:lnSpc>
-                <a:spcPct val="140000"/>
-              </a:lnSpc>
               <a:buNone/>
             </a:pPr>
             <a:r>
-              <a:rPr lang="en-US" dirty="0" smtClean="0"/>
-              <a:t>4:00-4:15	Regression Strategies</a:t>
+              <a:rPr lang="en-US"/>
+              <a:t>245-3         		Talk: Intro to IPMpack</a:t>
             </a:r>
           </a:p>
           <a:p>
             <a:pPr marL="0" indent="0">
-              <a:lnSpc>
-                <a:spcPct val="140000"/>
-              </a:lnSpc>
               <a:buNone/>
             </a:pPr>
             <a:r>
-              <a:rPr lang="en-US" dirty="0" smtClean="0"/>
-              <a:t>4:15-4:30	Demographically Driven Range Models</a:t>
+              <a:rPr lang="en-US"/>
+              <a:t>3-330        		Code: Intro to IPMpack </a:t>
             </a:r>
           </a:p>
           <a:p>
             <a:pPr marL="0" indent="0">
-              <a:lnSpc>
-                <a:spcPct val="140000"/>
-              </a:lnSpc>
               <a:buNone/>
             </a:pPr>
             <a:r>
-              <a:rPr lang="en-US" dirty="0" smtClean="0"/>
-              <a:t>4:30-5:00	Questions/Finish Exercises</a:t>
-            </a:r>
-            <a:endParaRPr lang="en-US" dirty="0"/>
-          </a:p>
-          <a:p>
-            <a:pPr lvl="1">
-              <a:lnSpc>
-                <a:spcPct val="140000"/>
-              </a:lnSpc>
+              <a:rPr lang="en-US"/>
+              <a:t>330-345     		Talk: Fecundity/Elasticity </a:t>
+            </a:r>
+          </a:p>
+          <a:p>
+            <a:pPr marL="0" indent="0">
+              <a:buNone/>
             </a:pPr>
-            <a:endParaRPr lang="en-US" dirty="0"/>
+            <a:r>
+              <a:rPr lang="en-US"/>
+              <a:t>345-4         		Code: Fecundity/Elasticity</a:t>
+            </a:r>
+          </a:p>
+          <a:p>
+            <a:pPr marL="0" indent="0">
+              <a:buNone/>
+            </a:pPr>
+            <a:r>
+              <a:rPr lang="en-US"/>
+              <a:t>4-415         		Talk: How to be discrete</a:t>
+            </a:r>
+          </a:p>
+          <a:p>
+            <a:pPr marL="0" indent="0">
+              <a:buNone/>
+            </a:pPr>
+            <a:r>
+              <a:rPr lang="en-US"/>
+              <a:t>415-430     		Code: How to be discrete</a:t>
+            </a:r>
+          </a:p>
+          <a:p>
+            <a:pPr marL="0" indent="0">
+              <a:buNone/>
+            </a:pPr>
+            <a:r>
+              <a:rPr lang="en-US"/>
+              <a:t>430-5         		Talk: Speeding up computations in R</a:t>
+            </a:r>
           </a:p>
         </p:txBody>
       </p:sp>
     </p:spTree>
     <p:extLst>
       <p:ext uri="{BB962C8B-B14F-4D97-AF65-F5344CB8AC3E}">
-        <p14:creationId xmlns:p14="http://schemas.microsoft.com/office/powerpoint/2010/main" val="1432208687"/>
+        <p14:creationId xmlns:p14="http://schemas.microsoft.com/office/powerpoint/2010/main" val="1413181252"/>
       </p:ext>
     </p:extLst>
   </p:cSld>
@@ -4080,7 +4036,7 @@
           <a:p>
             <a:r>
               <a:rPr lang="en-US"/>
-              <a:t>Schedule</a:t>
+              <a:t>Tentative Schedule</a:t>
             </a:r>
           </a:p>
         </p:txBody>
@@ -4103,133 +4059,198 @@
           <a:lstStyle/>
           <a:p>
             <a:pPr marL="0" indent="0">
+              <a:lnSpc>
+                <a:spcPct val="140000"/>
+              </a:lnSpc>
               <a:buNone/>
             </a:pPr>
             <a:r>
-              <a:rPr lang="en-US"/>
-              <a:t>12-1215     		Talk: General Intro to group, download materials</a:t>
-            </a:r>
+              <a:rPr lang="en-US" dirty="0" smtClean="0"/>
+              <a:t>12:00-12:</a:t>
+            </a:r>
+            <a:r>
+              <a:rPr lang="en-US" dirty="0"/>
+              <a:t>45  	Introduction to </a:t>
+            </a:r>
+            <a:r>
+              <a:rPr lang="en-US" dirty="0" smtClean="0"/>
+              <a:t>IPMs</a:t>
+            </a:r>
+            <a:endParaRPr lang="en-US" dirty="0"/>
           </a:p>
           <a:p>
             <a:pPr marL="0" indent="0">
+              <a:lnSpc>
+                <a:spcPct val="140000"/>
+              </a:lnSpc>
               <a:buNone/>
             </a:pPr>
             <a:r>
-              <a:rPr lang="en-US"/>
-              <a:t>1215-1245 		Talk: Intro to IPMs (Cory)</a:t>
+              <a:rPr lang="en-US" dirty="0" smtClean="0"/>
+              <a:t>12:</a:t>
+            </a:r>
+            <a:r>
+              <a:rPr lang="en-US" dirty="0"/>
+              <a:t>45</a:t>
+            </a:r>
+            <a:r>
+              <a:rPr lang="en-US" dirty="0" smtClean="0"/>
+              <a:t>-2:00</a:t>
+            </a:r>
+            <a:r>
+              <a:rPr lang="en-US" dirty="0"/>
+              <a:t>	Introductory exercises</a:t>
             </a:r>
           </a:p>
           <a:p>
             <a:pPr marL="0" indent="0">
+              <a:lnSpc>
+                <a:spcPct val="140000"/>
+              </a:lnSpc>
               <a:buNone/>
             </a:pPr>
             <a:r>
-              <a:rPr lang="en-US"/>
-              <a:t>1245-115   		Code: A basic IPM (Cory)</a:t>
-            </a:r>
+              <a:rPr lang="en-US" dirty="0" smtClean="0"/>
+              <a:t>2:00-2:20</a:t>
+            </a:r>
+            <a:r>
+              <a:rPr lang="en-US" dirty="0"/>
+              <a:t>	Introduction to </a:t>
+            </a:r>
+            <a:r>
+              <a:rPr lang="en-US" dirty="0" smtClean="0"/>
+              <a:t>IPMpack v2.0</a:t>
+            </a:r>
+            <a:endParaRPr lang="en-US" dirty="0"/>
           </a:p>
           <a:p>
             <a:pPr marL="0" indent="0">
+              <a:lnSpc>
+                <a:spcPct val="140000"/>
+              </a:lnSpc>
               <a:buNone/>
             </a:pPr>
             <a:r>
-              <a:rPr lang="en-US"/>
-              <a:t>115-145     		Talk: Strengths of IPMs (Cory)</a:t>
+              <a:rPr lang="en-US" dirty="0" smtClean="0"/>
+              <a:t>2:20-</a:t>
+            </a:r>
+            <a:r>
+              <a:rPr lang="en-US" dirty="0"/>
+              <a:t>3</a:t>
+            </a:r>
+            <a:r>
+              <a:rPr lang="en-US" dirty="0" smtClean="0"/>
+              <a:t>:00 </a:t>
+            </a:r>
+            <a:r>
+              <a:rPr lang="en-US" dirty="0"/>
+              <a:t>	</a:t>
+            </a:r>
+            <a:r>
+              <a:rPr lang="en-US" dirty="0" smtClean="0"/>
+              <a:t>IPMpack </a:t>
+            </a:r>
+            <a:r>
+              <a:rPr lang="en-US" dirty="0"/>
+              <a:t>Vignette</a:t>
             </a:r>
           </a:p>
           <a:p>
             <a:pPr marL="0" indent="0">
+              <a:lnSpc>
+                <a:spcPct val="140000"/>
+              </a:lnSpc>
               <a:buNone/>
             </a:pPr>
             <a:r>
-              <a:rPr lang="en-US"/>
-              <a:t>145-230     		Code: Improving your IPM (Cory)</a:t>
+              <a:rPr lang="en-US" dirty="0" smtClean="0"/>
+              <a:t>3:00-3:15 </a:t>
+            </a:r>
+            <a:r>
+              <a:rPr lang="en-US" dirty="0"/>
+              <a:t>	</a:t>
+            </a:r>
+            <a:r>
+              <a:rPr lang="en-US" dirty="0" smtClean="0"/>
+              <a:t>Fecundity Models</a:t>
             </a:r>
           </a:p>
           <a:p>
             <a:pPr marL="0" indent="0">
+              <a:lnSpc>
+                <a:spcPct val="140000"/>
+              </a:lnSpc>
               <a:buNone/>
             </a:pPr>
             <a:r>
-              <a:rPr lang="en-US"/>
-              <a:t>230-245     		Break</a:t>
+              <a:rPr lang="en-US" dirty="0" smtClean="0"/>
+              <a:t>3:15-4:00	Fecundity Exercises</a:t>
             </a:r>
           </a:p>
           <a:p>
             <a:pPr marL="0" indent="0">
+              <a:lnSpc>
+                <a:spcPct val="140000"/>
+              </a:lnSpc>
               <a:buNone/>
             </a:pPr>
             <a:r>
-              <a:rPr lang="en-US"/>
-              <a:t>245-3         		Talk: Intro to IPMpack (Sean)</a:t>
+              <a:rPr lang="en-US" dirty="0" smtClean="0"/>
+              <a:t>4:00-4:15	Regression Strategies</a:t>
             </a:r>
           </a:p>
           <a:p>
             <a:pPr marL="0" indent="0">
+              <a:lnSpc>
+                <a:spcPct val="140000"/>
+              </a:lnSpc>
               <a:buNone/>
             </a:pPr>
             <a:r>
-              <a:rPr lang="en-US"/>
-              <a:t>3-330        		Code: Intro to IPMpack (Sean)</a:t>
+              <a:rPr lang="en-US" dirty="0" smtClean="0"/>
+              <a:t>4:15-4:30	Demographically Driven Range Models</a:t>
             </a:r>
           </a:p>
           <a:p>
             <a:pPr marL="0" indent="0">
+              <a:lnSpc>
+                <a:spcPct val="140000"/>
+              </a:lnSpc>
               <a:buNone/>
             </a:pPr>
             <a:r>
-              <a:rPr lang="en-US"/>
-              <a:t>330-345     		Talk: Something interesting  (Rob)</a:t>
-            </a:r>
-          </a:p>
-          <a:p>
-            <a:pPr marL="0" indent="0">
-              <a:buNone/>
+              <a:rPr lang="en-US" dirty="0" smtClean="0"/>
+              <a:t>4:30-5:00	Questions/Finish Exercises</a:t>
+            </a:r>
+            <a:endParaRPr lang="en-US" dirty="0"/>
+          </a:p>
+          <a:p>
+            <a:pPr lvl="1">
+              <a:lnSpc>
+                <a:spcPct val="140000"/>
+              </a:lnSpc>
             </a:pPr>
-            <a:r>
-              <a:rPr lang="en-US"/>
-              <a:t>345-4         		Code: (Rob)</a:t>
-            </a:r>
-          </a:p>
-          <a:p>
-            <a:pPr marL="0" indent="0">
-              <a:buNone/>
-            </a:pPr>
-            <a:r>
-              <a:rPr lang="en-US"/>
-              <a:t>4-415         		Talk: Something interesting  (Eelke)</a:t>
-            </a:r>
-          </a:p>
-          <a:p>
-            <a:pPr marL="0" indent="0">
-              <a:buNone/>
-            </a:pPr>
-            <a:r>
-              <a:rPr lang="en-US"/>
-              <a:t>415-430     		Code: (Eelke)</a:t>
-            </a:r>
-          </a:p>
-          <a:p>
-            <a:pPr marL="0" indent="0">
-              <a:buNone/>
-            </a:pPr>
-            <a:r>
-              <a:rPr lang="en-US"/>
-              <a:t>430-5         		Talk: Speeding up computations in R (Marco)</a:t>
-            </a:r>
+            <a:endParaRPr lang="en-US" dirty="0"/>
           </a:p>
         </p:txBody>
       </p:sp>
     </p:spTree>
     <p:extLst>
       <p:ext uri="{BB962C8B-B14F-4D97-AF65-F5344CB8AC3E}">
-        <p14:creationId xmlns:p14="http://schemas.microsoft.com/office/powerpoint/2010/main" val="1413181252"/>
+        <p14:creationId xmlns:p14="http://schemas.microsoft.com/office/powerpoint/2010/main" val="1432208687"/>
       </p:ext>
     </p:extLst>
   </p:cSld>
   <p:clrMapOvr>
     <a:masterClrMapping/>
   </p:clrMapOvr>
+  <p:timing>
+    <p:tnLst>
+      <p:par>
+        <p:cTn xmlns:p14="http://schemas.microsoft.com/office/powerpoint/2010/main" id="1" dur="indefinite" restart="never" nodeType="tmRoot"/>
+      </p:par>
+    </p:tnLst>
+  </p:timing>
 </p:sld>
 </file>
 
